--- a/ASP.NET MVC/01. Introduction to ASP.NET MVC/Introduction-to-ASP.NET-MVC.pptx
+++ b/ASP.NET MVC/01. Introduction to ASP.NET MVC/Introduction-to-ASP.NET-MVC.pptx
@@ -282,7 +282,7 @@
       </p14:sectionLst>
     </p:ext>
     <p:ext uri="{EFAFB233-063F-42B5-8137-9DF3F51BA10A}">
-      <p15:sldGuideLst xmlns:p15="http://schemas.microsoft.com/office/powerpoint/2012/main">
+      <p15:sldGuideLst xmlns:p15="http://schemas.microsoft.com/office/powerpoint/2012/main" xmlns="">
         <p15:guide id="1" orient="horz" pos="2160">
           <p15:clr>
             <a:srgbClr val="A4A3A4"/>
@@ -296,7 +296,7 @@
       </p15:sldGuideLst>
     </p:ext>
     <p:ext uri="{2D200454-40CA-4A62-9FC3-DE9A4176ACB9}">
-      <p15:notesGuideLst xmlns:p15="http://schemas.microsoft.com/office/powerpoint/2012/main">
+      <p15:notesGuideLst xmlns:p15="http://schemas.microsoft.com/office/powerpoint/2012/main" xmlns="">
         <p15:guide id="1" orient="horz" pos="2928">
           <p15:clr>
             <a:srgbClr val="A4A3A4"/>
@@ -428,7 +428,7 @@
             <a:fld id="{3BF7C7B5-275F-4D1F-9AB4-9255447DBC73}" type="datetimeFigureOut">
               <a:rPr lang="en-US"/>
               <a:pPr/>
-              <a:t>9/28/2013</a:t>
+              <a:t>10/29/2014</a:t>
             </a:fld>
             <a:endParaRPr lang="en-US" dirty="0"/>
           </a:p>
@@ -659,7 +659,7 @@
             <a:fld id="{9B46F231-FB2B-4655-A644-E2477325E686}" type="datetimeFigureOut">
               <a:rPr lang="en-US"/>
               <a:pPr/>
-              <a:t>9/28/2013</a:t>
+              <a:t>10/29/2014</a:t>
             </a:fld>
             <a:endParaRPr lang="en-US" dirty="0"/>
           </a:p>
@@ -6511,59 +6511,542 @@
       </p:pic>
       <p:sp>
         <p:nvSpPr>
-          <p:cNvPr id="20" name="Text Placeholder 4"/>
+          <p:cNvPr id="17" name="Text Placeholder 6"/>
           <p:cNvSpPr>
             <a:spLocks noGrp="1"/>
           </p:cNvSpPr>
-          <p:nvPr>
-            <p:ph type="body" sz="quarter" idx="10"/>
-          </p:nvPr>
+          <p:nvPr/>
         </p:nvSpPr>
         <p:spPr>
           <a:xfrm>
-            <a:off x="419099" y="4495800"/>
-            <a:ext cx="3853295" cy="533400"/>
+            <a:off x="429086" y="5726668"/>
+            <a:ext cx="3990513" cy="400110"/>
           </a:xfrm>
+          <a:prstGeom prst="rect">
+            <a:avLst/>
+          </a:prstGeom>
+          <a:noFill/>
         </p:spPr>
         <p:txBody>
-          <a:bodyPr/>
-          <a:lstStyle/>
-          <a:p>
-            <a:r>
-              <a:rPr lang="en-US" dirty="0" smtClean="0"/>
-              <a:t>Nikolay </a:t>
-            </a:r>
-            <a:r>
-              <a:rPr lang="en-US" noProof="1" smtClean="0"/>
-              <a:t>Kostov</a:t>
-            </a:r>
-            <a:endParaRPr lang="en-US" noProof="1"/>
+          <a:bodyPr wrap="square" rtlCol="0">
+            <a:spAutoFit/>
+          </a:bodyPr>
+          <a:lstStyle>
+            <a:lvl1pPr marL="319088" indent="-319088" algn="l" rtl="0" eaLnBrk="0" fontAlgn="base" hangingPunct="0">
+              <a:spcBef>
+                <a:spcPct val="20000"/>
+              </a:spcBef>
+              <a:spcAft>
+                <a:spcPct val="0"/>
+              </a:spcAft>
+              <a:buClr>
+                <a:schemeClr val="accent5">
+                  <a:lumMod val="40000"/>
+                  <a:lumOff val="60000"/>
+                </a:schemeClr>
+              </a:buClr>
+              <a:buSzPct val="70000"/>
+              <a:buFont typeface="Wingdings 2" pitchFamily="18" charset="2"/>
+              <a:buNone/>
+              <a:defRPr lang="en-US" sz="2000" b="1" kern="1200" dirty="0">
+                <a:solidFill>
+                  <a:schemeClr val="tx2">
+                    <a:lumMod val="20000"/>
+                    <a:lumOff val="80000"/>
+                  </a:schemeClr>
+                </a:solidFill>
+                <a:effectLst>
+                  <a:outerShdw blurRad="38100" dist="38100" dir="2700000" algn="tl">
+                    <a:srgbClr val="000000">
+                      <a:alpha val="43137"/>
+                    </a:srgbClr>
+                  </a:outerShdw>
+                </a:effectLst>
+                <a:latin typeface="Corbel" pitchFamily="34" charset="0"/>
+                <a:ea typeface="+mn-ea"/>
+                <a:cs typeface="+mn-cs"/>
+              </a:defRPr>
+            </a:lvl1pPr>
+            <a:lvl2pPr marL="630238" indent="-273050" algn="l" rtl="0" eaLnBrk="0" fontAlgn="base" hangingPunct="0">
+              <a:spcBef>
+                <a:spcPct val="20000"/>
+              </a:spcBef>
+              <a:spcAft>
+                <a:spcPct val="0"/>
+              </a:spcAft>
+              <a:buClr>
+                <a:schemeClr val="accent2">
+                  <a:lumMod val="60000"/>
+                  <a:lumOff val="40000"/>
+                </a:schemeClr>
+              </a:buClr>
+              <a:buFont typeface="Wingdings 2" pitchFamily="18" charset="2"/>
+              <a:buChar char=""/>
+              <a:defRPr sz="3000" b="1" kern="1200">
+                <a:solidFill>
+                  <a:schemeClr val="tx1">
+                    <a:lumMod val="20000"/>
+                    <a:lumOff val="80000"/>
+                  </a:schemeClr>
+                </a:solidFill>
+                <a:effectLst>
+                  <a:outerShdw blurRad="38100" dist="38100" dir="2700000" algn="tl">
+                    <a:srgbClr val="000000">
+                      <a:alpha val="43137"/>
+                    </a:srgbClr>
+                  </a:outerShdw>
+                </a:effectLst>
+                <a:latin typeface="+mn-lt"/>
+                <a:ea typeface="+mn-ea"/>
+                <a:cs typeface="+mn-cs"/>
+              </a:defRPr>
+            </a:lvl2pPr>
+            <a:lvl3pPr marL="922338" indent="-273050" algn="l" rtl="0" eaLnBrk="0" fontAlgn="base" hangingPunct="0">
+              <a:spcBef>
+                <a:spcPct val="20000"/>
+              </a:spcBef>
+              <a:spcAft>
+                <a:spcPct val="0"/>
+              </a:spcAft>
+              <a:buClr>
+                <a:schemeClr val="tx1">
+                  <a:lumMod val="50000"/>
+                </a:schemeClr>
+              </a:buClr>
+              <a:buFont typeface="Wingdings 2" pitchFamily="18" charset="2"/>
+              <a:buChar char=""/>
+              <a:defRPr sz="2800" b="1" kern="1200">
+                <a:solidFill>
+                  <a:schemeClr val="tx1">
+                    <a:lumMod val="20000"/>
+                    <a:lumOff val="80000"/>
+                  </a:schemeClr>
+                </a:solidFill>
+                <a:effectLst>
+                  <a:outerShdw blurRad="38100" dist="38100" dir="2700000" algn="tl">
+                    <a:srgbClr val="000000">
+                      <a:alpha val="43137"/>
+                    </a:srgbClr>
+                  </a:outerShdw>
+                </a:effectLst>
+                <a:latin typeface="+mn-lt"/>
+                <a:ea typeface="+mn-ea"/>
+                <a:cs typeface="+mn-cs"/>
+              </a:defRPr>
+            </a:lvl3pPr>
+            <a:lvl4pPr marL="1187450" indent="-228600" algn="l" rtl="0" eaLnBrk="0" fontAlgn="base" hangingPunct="0">
+              <a:spcBef>
+                <a:spcPct val="20000"/>
+              </a:spcBef>
+              <a:spcAft>
+                <a:spcPct val="0"/>
+              </a:spcAft>
+              <a:buClr>
+                <a:srgbClr val="F8BD52"/>
+              </a:buClr>
+              <a:buFont typeface="Wingdings 2" pitchFamily="18" charset="2"/>
+              <a:buChar char=""/>
+              <a:defRPr sz="2600" b="1" kern="1200">
+                <a:solidFill>
+                  <a:schemeClr val="tx1">
+                    <a:lumMod val="20000"/>
+                    <a:lumOff val="80000"/>
+                  </a:schemeClr>
+                </a:solidFill>
+                <a:effectLst>
+                  <a:outerShdw blurRad="38100" dist="38100" dir="2700000" algn="tl">
+                    <a:srgbClr val="000000">
+                      <a:alpha val="43137"/>
+                    </a:srgbClr>
+                  </a:outerShdw>
+                </a:effectLst>
+                <a:latin typeface="+mn-lt"/>
+                <a:ea typeface="+mn-ea"/>
+                <a:cs typeface="+mn-cs"/>
+              </a:defRPr>
+            </a:lvl4pPr>
+            <a:lvl5pPr marL="1425575" indent="-228600" algn="l" rtl="0" eaLnBrk="0" fontAlgn="base" hangingPunct="0">
+              <a:spcBef>
+                <a:spcPct val="20000"/>
+              </a:spcBef>
+              <a:spcAft>
+                <a:spcPct val="0"/>
+              </a:spcAft>
+              <a:buClr>
+                <a:srgbClr val="46A6BD"/>
+              </a:buClr>
+              <a:buFont typeface="Wingdings 2" pitchFamily="18" charset="2"/>
+              <a:buChar char=""/>
+              <a:defRPr sz="2400" b="1" kern="1200">
+                <a:solidFill>
+                  <a:schemeClr val="tx1">
+                    <a:lumMod val="20000"/>
+                    <a:lumOff val="80000"/>
+                  </a:schemeClr>
+                </a:solidFill>
+                <a:effectLst>
+                  <a:outerShdw blurRad="38100" dist="38100" dir="2700000" algn="tl">
+                    <a:srgbClr val="000000">
+                      <a:alpha val="43137"/>
+                    </a:srgbClr>
+                  </a:outerShdw>
+                </a:effectLst>
+                <a:latin typeface="+mn-lt"/>
+                <a:ea typeface="+mn-ea"/>
+                <a:cs typeface="+mn-cs"/>
+              </a:defRPr>
+            </a:lvl5pPr>
+            <a:lvl6pPr marL="1673352" indent="-228600" algn="l" rtl="0" eaLnBrk="1" latinLnBrk="0" hangingPunct="1">
+              <a:spcBef>
+                <a:spcPct val="20000"/>
+              </a:spcBef>
+              <a:buClr>
+                <a:schemeClr val="accent6"/>
+              </a:buClr>
+              <a:buFont typeface="Wingdings 2"/>
+              <a:buChar char=""/>
+              <a:defRPr sz="1800" kern="1200">
+                <a:solidFill>
+                  <a:schemeClr val="tx1"/>
+                </a:solidFill>
+                <a:latin typeface="+mn-lt"/>
+                <a:ea typeface="+mn-ea"/>
+                <a:cs typeface="+mn-cs"/>
+              </a:defRPr>
+            </a:lvl6pPr>
+            <a:lvl7pPr marL="1911096" indent="-228600" algn="l" rtl="0" eaLnBrk="1" latinLnBrk="0" hangingPunct="1">
+              <a:spcBef>
+                <a:spcPct val="20000"/>
+              </a:spcBef>
+              <a:buClr>
+                <a:schemeClr val="tx2"/>
+              </a:buClr>
+              <a:buFont typeface="Wingdings 2"/>
+              <a:buChar char=""/>
+              <a:defRPr sz="1600" kern="1200">
+                <a:solidFill>
+                  <a:schemeClr val="tx1"/>
+                </a:solidFill>
+                <a:latin typeface="+mn-lt"/>
+                <a:ea typeface="+mn-ea"/>
+                <a:cs typeface="+mn-cs"/>
+              </a:defRPr>
+            </a:lvl7pPr>
+            <a:lvl8pPr marL="2121408" indent="-182880" algn="l" rtl="0" eaLnBrk="1" latinLnBrk="0" hangingPunct="1">
+              <a:spcBef>
+                <a:spcPct val="20000"/>
+              </a:spcBef>
+              <a:buClr>
+                <a:schemeClr val="tx2"/>
+              </a:buClr>
+              <a:buFont typeface="Wingdings 2"/>
+              <a:buChar char=""/>
+              <a:defRPr sz="1400" kern="1200">
+                <a:solidFill>
+                  <a:schemeClr val="tx1"/>
+                </a:solidFill>
+                <a:latin typeface="+mn-lt"/>
+                <a:ea typeface="+mn-ea"/>
+                <a:cs typeface="+mn-cs"/>
+              </a:defRPr>
+            </a:lvl8pPr>
+            <a:lvl9pPr marL="2322576" indent="-182880" algn="l" rtl="0" eaLnBrk="1" latinLnBrk="0" hangingPunct="1">
+              <a:spcBef>
+                <a:spcPct val="20000"/>
+              </a:spcBef>
+              <a:buClr>
+                <a:schemeClr val="tx2"/>
+              </a:buClr>
+              <a:buFont typeface="Wingdings 2"/>
+              <a:buChar char=""/>
+              <a:defRPr sz="1400" kern="1200">
+                <a:solidFill>
+                  <a:schemeClr val="tx1"/>
+                </a:solidFill>
+                <a:latin typeface="+mn-lt"/>
+                <a:ea typeface="+mn-ea"/>
+                <a:cs typeface="+mn-cs"/>
+              </a:defRPr>
+            </a:lvl9pPr>
+          </a:lstStyle>
+          <a:p>
+            <a:r>
+              <a:rPr lang="en-US" dirty="0"/>
+              <a:t>Telerik Software Academy</a:t>
+            </a:r>
           </a:p>
         </p:txBody>
       </p:sp>
       <p:sp>
         <p:nvSpPr>
-          <p:cNvPr id="21" name="Text Placeholder 5"/>
+          <p:cNvPr id="18" name="Text Placeholder 7"/>
           <p:cNvSpPr>
             <a:spLocks noGrp="1"/>
           </p:cNvSpPr>
-          <p:nvPr>
-            <p:ph type="body" sz="quarter" idx="11"/>
-          </p:nvPr>
+          <p:nvPr/>
         </p:nvSpPr>
         <p:spPr>
           <a:xfrm>
-            <a:off x="457200" y="5955268"/>
-            <a:ext cx="3810000" cy="369332"/>
+            <a:off x="429087" y="6031468"/>
+            <a:ext cx="3990513" cy="369332"/>
           </a:xfrm>
+          <a:prstGeom prst="rect">
+            <a:avLst/>
+          </a:prstGeom>
+          <a:noFill/>
         </p:spPr>
         <p:txBody>
-          <a:bodyPr/>
-          <a:lstStyle/>
-          <a:p>
+          <a:bodyPr wrap="square" rtlCol="0">
+            <a:spAutoFit/>
+          </a:bodyPr>
+          <a:lstStyle>
+            <a:lvl1pPr marL="319088" indent="-319088" algn="l" rtl="0" eaLnBrk="0" fontAlgn="base" hangingPunct="0">
+              <a:spcBef>
+                <a:spcPct val="20000"/>
+              </a:spcBef>
+              <a:spcAft>
+                <a:spcPct val="0"/>
+              </a:spcAft>
+              <a:buClr>
+                <a:schemeClr val="accent5">
+                  <a:lumMod val="40000"/>
+                  <a:lumOff val="60000"/>
+                </a:schemeClr>
+              </a:buClr>
+              <a:buSzPct val="70000"/>
+              <a:buFont typeface="Wingdings 2" pitchFamily="18" charset="2"/>
+              <a:buNone/>
+              <a:defRPr lang="en-US" sz="1800" b="1" kern="1200" dirty="0">
+                <a:solidFill>
+                  <a:schemeClr val="tx2">
+                    <a:lumMod val="20000"/>
+                    <a:lumOff val="80000"/>
+                  </a:schemeClr>
+                </a:solidFill>
+                <a:effectLst>
+                  <a:outerShdw blurRad="38100" dist="38100" dir="2700000" algn="tl">
+                    <a:srgbClr val="000000">
+                      <a:alpha val="43137"/>
+                    </a:srgbClr>
+                  </a:outerShdw>
+                </a:effectLst>
+                <a:latin typeface="Corbel" pitchFamily="34" charset="0"/>
+                <a:ea typeface="+mn-ea"/>
+                <a:cs typeface="+mn-cs"/>
+              </a:defRPr>
+            </a:lvl1pPr>
+            <a:lvl2pPr marL="630238" indent="-273050" algn="l" rtl="0" eaLnBrk="0" fontAlgn="base" hangingPunct="0">
+              <a:spcBef>
+                <a:spcPct val="20000"/>
+              </a:spcBef>
+              <a:spcAft>
+                <a:spcPct val="0"/>
+              </a:spcAft>
+              <a:buClr>
+                <a:schemeClr val="accent2">
+                  <a:lumMod val="60000"/>
+                  <a:lumOff val="40000"/>
+                </a:schemeClr>
+              </a:buClr>
+              <a:buFont typeface="Wingdings 2" pitchFamily="18" charset="2"/>
+              <a:buChar char=""/>
+              <a:defRPr sz="3000" b="1" kern="1200">
+                <a:solidFill>
+                  <a:schemeClr val="tx1">
+                    <a:lumMod val="20000"/>
+                    <a:lumOff val="80000"/>
+                  </a:schemeClr>
+                </a:solidFill>
+                <a:effectLst>
+                  <a:outerShdw blurRad="38100" dist="38100" dir="2700000" algn="tl">
+                    <a:srgbClr val="000000">
+                      <a:alpha val="43137"/>
+                    </a:srgbClr>
+                  </a:outerShdw>
+                </a:effectLst>
+                <a:latin typeface="+mn-lt"/>
+                <a:ea typeface="+mn-ea"/>
+                <a:cs typeface="+mn-cs"/>
+              </a:defRPr>
+            </a:lvl2pPr>
+            <a:lvl3pPr marL="922338" indent="-273050" algn="l" rtl="0" eaLnBrk="0" fontAlgn="base" hangingPunct="0">
+              <a:spcBef>
+                <a:spcPct val="20000"/>
+              </a:spcBef>
+              <a:spcAft>
+                <a:spcPct val="0"/>
+              </a:spcAft>
+              <a:buClr>
+                <a:schemeClr val="tx1">
+                  <a:lumMod val="50000"/>
+                </a:schemeClr>
+              </a:buClr>
+              <a:buFont typeface="Wingdings 2" pitchFamily="18" charset="2"/>
+              <a:buChar char=""/>
+              <a:defRPr sz="2800" b="1" kern="1200">
+                <a:solidFill>
+                  <a:schemeClr val="tx1">
+                    <a:lumMod val="20000"/>
+                    <a:lumOff val="80000"/>
+                  </a:schemeClr>
+                </a:solidFill>
+                <a:effectLst>
+                  <a:outerShdw blurRad="38100" dist="38100" dir="2700000" algn="tl">
+                    <a:srgbClr val="000000">
+                      <a:alpha val="43137"/>
+                    </a:srgbClr>
+                  </a:outerShdw>
+                </a:effectLst>
+                <a:latin typeface="+mn-lt"/>
+                <a:ea typeface="+mn-ea"/>
+                <a:cs typeface="+mn-cs"/>
+              </a:defRPr>
+            </a:lvl3pPr>
+            <a:lvl4pPr marL="1187450" indent="-228600" algn="l" rtl="0" eaLnBrk="0" fontAlgn="base" hangingPunct="0">
+              <a:spcBef>
+                <a:spcPct val="20000"/>
+              </a:spcBef>
+              <a:spcAft>
+                <a:spcPct val="0"/>
+              </a:spcAft>
+              <a:buClr>
+                <a:srgbClr val="F8BD52"/>
+              </a:buClr>
+              <a:buFont typeface="Wingdings 2" pitchFamily="18" charset="2"/>
+              <a:buChar char=""/>
+              <a:defRPr sz="2600" b="1" kern="1200">
+                <a:solidFill>
+                  <a:schemeClr val="tx1">
+                    <a:lumMod val="20000"/>
+                    <a:lumOff val="80000"/>
+                  </a:schemeClr>
+                </a:solidFill>
+                <a:effectLst>
+                  <a:outerShdw blurRad="38100" dist="38100" dir="2700000" algn="tl">
+                    <a:srgbClr val="000000">
+                      <a:alpha val="43137"/>
+                    </a:srgbClr>
+                  </a:outerShdw>
+                </a:effectLst>
+                <a:latin typeface="+mn-lt"/>
+                <a:ea typeface="+mn-ea"/>
+                <a:cs typeface="+mn-cs"/>
+              </a:defRPr>
+            </a:lvl4pPr>
+            <a:lvl5pPr marL="1425575" indent="-228600" algn="l" rtl="0" eaLnBrk="0" fontAlgn="base" hangingPunct="0">
+              <a:spcBef>
+                <a:spcPct val="20000"/>
+              </a:spcBef>
+              <a:spcAft>
+                <a:spcPct val="0"/>
+              </a:spcAft>
+              <a:buClr>
+                <a:srgbClr val="46A6BD"/>
+              </a:buClr>
+              <a:buFont typeface="Wingdings 2" pitchFamily="18" charset="2"/>
+              <a:buChar char=""/>
+              <a:defRPr sz="2400" b="1" kern="1200">
+                <a:solidFill>
+                  <a:schemeClr val="tx1">
+                    <a:lumMod val="20000"/>
+                    <a:lumOff val="80000"/>
+                  </a:schemeClr>
+                </a:solidFill>
+                <a:effectLst>
+                  <a:outerShdw blurRad="38100" dist="38100" dir="2700000" algn="tl">
+                    <a:srgbClr val="000000">
+                      <a:alpha val="43137"/>
+                    </a:srgbClr>
+                  </a:outerShdw>
+                </a:effectLst>
+                <a:latin typeface="+mn-lt"/>
+                <a:ea typeface="+mn-ea"/>
+                <a:cs typeface="+mn-cs"/>
+              </a:defRPr>
+            </a:lvl5pPr>
+            <a:lvl6pPr marL="1673352" indent="-228600" algn="l" rtl="0" eaLnBrk="1" latinLnBrk="0" hangingPunct="1">
+              <a:spcBef>
+                <a:spcPct val="20000"/>
+              </a:spcBef>
+              <a:buClr>
+                <a:schemeClr val="accent6"/>
+              </a:buClr>
+              <a:buFont typeface="Wingdings 2"/>
+              <a:buChar char=""/>
+              <a:defRPr sz="1800" kern="1200">
+                <a:solidFill>
+                  <a:schemeClr val="tx1"/>
+                </a:solidFill>
+                <a:latin typeface="+mn-lt"/>
+                <a:ea typeface="+mn-ea"/>
+                <a:cs typeface="+mn-cs"/>
+              </a:defRPr>
+            </a:lvl6pPr>
+            <a:lvl7pPr marL="1911096" indent="-228600" algn="l" rtl="0" eaLnBrk="1" latinLnBrk="0" hangingPunct="1">
+              <a:spcBef>
+                <a:spcPct val="20000"/>
+              </a:spcBef>
+              <a:buClr>
+                <a:schemeClr val="tx2"/>
+              </a:buClr>
+              <a:buFont typeface="Wingdings 2"/>
+              <a:buChar char=""/>
+              <a:defRPr sz="1600" kern="1200">
+                <a:solidFill>
+                  <a:schemeClr val="tx1"/>
+                </a:solidFill>
+                <a:latin typeface="+mn-lt"/>
+                <a:ea typeface="+mn-ea"/>
+                <a:cs typeface="+mn-cs"/>
+              </a:defRPr>
+            </a:lvl7pPr>
+            <a:lvl8pPr marL="2121408" indent="-182880" algn="l" rtl="0" eaLnBrk="1" latinLnBrk="0" hangingPunct="1">
+              <a:spcBef>
+                <a:spcPct val="20000"/>
+              </a:spcBef>
+              <a:buClr>
+                <a:schemeClr val="tx2"/>
+              </a:buClr>
+              <a:buFont typeface="Wingdings 2"/>
+              <a:buChar char=""/>
+              <a:defRPr sz="1400" kern="1200">
+                <a:solidFill>
+                  <a:schemeClr val="tx1"/>
+                </a:solidFill>
+                <a:latin typeface="+mn-lt"/>
+                <a:ea typeface="+mn-ea"/>
+                <a:cs typeface="+mn-cs"/>
+              </a:defRPr>
+            </a:lvl8pPr>
+            <a:lvl9pPr marL="2322576" indent="-182880" algn="l" rtl="0" eaLnBrk="1" latinLnBrk="0" hangingPunct="1">
+              <a:spcBef>
+                <a:spcPct val="20000"/>
+              </a:spcBef>
+              <a:buClr>
+                <a:schemeClr val="tx2"/>
+              </a:buClr>
+              <a:buFont typeface="Wingdings 2"/>
+              <a:buChar char=""/>
+              <a:defRPr sz="1400" kern="1200">
+                <a:solidFill>
+                  <a:schemeClr val="tx1"/>
+                </a:solidFill>
+                <a:latin typeface="+mn-lt"/>
+                <a:ea typeface="+mn-ea"/>
+                <a:cs typeface="+mn-cs"/>
+              </a:defRPr>
+            </a:lvl9pPr>
+          </a:lstStyle>
+          <a:p>
+            <a:r>
+              <a:rPr lang="en-US" dirty="0" smtClean="0">
+                <a:hlinkClick r:id="rId7"/>
+              </a:rPr>
+              <a:t>http://academy.telerik.com</a:t>
+            </a:r>
             <a:r>
               <a:rPr lang="en-US" dirty="0" smtClean="0"/>
-              <a:t>Telerik Software Academy</a:t>
+              <a:t> </a:t>
             </a:r>
             <a:endParaRPr lang="en-US" dirty="0"/>
           </a:p>
@@ -6571,97 +7054,273 @@
       </p:sp>
       <p:sp>
         <p:nvSpPr>
-          <p:cNvPr id="22" name="Text Placeholder 6"/>
+          <p:cNvPr id="19" name="Text Placeholder 13"/>
           <p:cNvSpPr>
             <a:spLocks noGrp="1"/>
           </p:cNvSpPr>
-          <p:nvPr>
-            <p:ph type="body" sz="quarter" idx="12"/>
-          </p:nvPr>
+          <p:nvPr/>
         </p:nvSpPr>
         <p:spPr>
           <a:xfrm>
-            <a:off x="457200" y="6214646"/>
-            <a:ext cx="3810000" cy="338554"/>
+            <a:off x="429087" y="5352025"/>
+            <a:ext cx="3990513" cy="461665"/>
           </a:xfrm>
+          <a:prstGeom prst="rect">
+            <a:avLst/>
+          </a:prstGeom>
+          <a:noFill/>
         </p:spPr>
         <p:txBody>
-          <a:bodyPr/>
-          <a:lstStyle/>
-          <a:p>
-            <a:r>
-              <a:rPr lang="en-US" dirty="0" smtClean="0">
-                <a:hlinkClick r:id="rId7"/>
-              </a:rPr>
-              <a:t>academy.telerik.com</a:t>
+          <a:bodyPr wrap="square" rtlCol="0">
+            <a:spAutoFit/>
+          </a:bodyPr>
+          <a:lstStyle>
+            <a:lvl1pPr marL="0" indent="0" algn="l" rtl="0" eaLnBrk="0" fontAlgn="base" hangingPunct="0">
+              <a:spcBef>
+                <a:spcPct val="20000"/>
+              </a:spcBef>
+              <a:spcAft>
+                <a:spcPct val="0"/>
+              </a:spcAft>
+              <a:buClr>
+                <a:schemeClr val="accent5">
+                  <a:lumMod val="40000"/>
+                  <a:lumOff val="60000"/>
+                </a:schemeClr>
+              </a:buClr>
+              <a:buSzPct val="70000"/>
+              <a:buFont typeface="Wingdings 2" pitchFamily="18" charset="2"/>
+              <a:buNone/>
+              <a:defRPr lang="en-US" sz="2400" b="1" kern="1200" dirty="0">
+                <a:solidFill>
+                  <a:schemeClr val="tx2">
+                    <a:lumMod val="50000"/>
+                  </a:schemeClr>
+                </a:solidFill>
+                <a:effectLst>
+                  <a:outerShdw blurRad="38100" dist="38100" dir="2700000" algn="tl">
+                    <a:srgbClr val="000000">
+                      <a:alpha val="43137"/>
+                    </a:srgbClr>
+                  </a:outerShdw>
+                </a:effectLst>
+                <a:latin typeface="Corbel" pitchFamily="34" charset="0"/>
+                <a:ea typeface="+mn-ea"/>
+                <a:cs typeface="+mn-cs"/>
+              </a:defRPr>
+            </a:lvl1pPr>
+            <a:lvl2pPr marL="630238" indent="-273050" algn="l" rtl="0" eaLnBrk="0" fontAlgn="base" hangingPunct="0">
+              <a:spcBef>
+                <a:spcPct val="20000"/>
+              </a:spcBef>
+              <a:spcAft>
+                <a:spcPct val="0"/>
+              </a:spcAft>
+              <a:buClr>
+                <a:schemeClr val="accent2">
+                  <a:lumMod val="60000"/>
+                  <a:lumOff val="40000"/>
+                </a:schemeClr>
+              </a:buClr>
+              <a:buFont typeface="Wingdings 2" pitchFamily="18" charset="2"/>
+              <a:buChar char=""/>
+              <a:defRPr sz="3000" b="1" kern="1200">
+                <a:solidFill>
+                  <a:schemeClr val="tx1">
+                    <a:lumMod val="20000"/>
+                    <a:lumOff val="80000"/>
+                  </a:schemeClr>
+                </a:solidFill>
+                <a:effectLst>
+                  <a:outerShdw blurRad="38100" dist="38100" dir="2700000" algn="tl">
+                    <a:srgbClr val="000000">
+                      <a:alpha val="43137"/>
+                    </a:srgbClr>
+                  </a:outerShdw>
+                </a:effectLst>
+                <a:latin typeface="+mn-lt"/>
+                <a:ea typeface="+mn-ea"/>
+                <a:cs typeface="+mn-cs"/>
+              </a:defRPr>
+            </a:lvl2pPr>
+            <a:lvl3pPr marL="922338" indent="-273050" algn="l" rtl="0" eaLnBrk="0" fontAlgn="base" hangingPunct="0">
+              <a:spcBef>
+                <a:spcPct val="20000"/>
+              </a:spcBef>
+              <a:spcAft>
+                <a:spcPct val="0"/>
+              </a:spcAft>
+              <a:buClr>
+                <a:schemeClr val="tx1">
+                  <a:lumMod val="50000"/>
+                </a:schemeClr>
+              </a:buClr>
+              <a:buFont typeface="Wingdings 2" pitchFamily="18" charset="2"/>
+              <a:buChar char=""/>
+              <a:defRPr sz="2800" b="1" kern="1200">
+                <a:solidFill>
+                  <a:schemeClr val="tx1">
+                    <a:lumMod val="20000"/>
+                    <a:lumOff val="80000"/>
+                  </a:schemeClr>
+                </a:solidFill>
+                <a:effectLst>
+                  <a:outerShdw blurRad="38100" dist="38100" dir="2700000" algn="tl">
+                    <a:srgbClr val="000000">
+                      <a:alpha val="43137"/>
+                    </a:srgbClr>
+                  </a:outerShdw>
+                </a:effectLst>
+                <a:latin typeface="+mn-lt"/>
+                <a:ea typeface="+mn-ea"/>
+                <a:cs typeface="+mn-cs"/>
+              </a:defRPr>
+            </a:lvl3pPr>
+            <a:lvl4pPr marL="1187450" indent="-228600" algn="l" rtl="0" eaLnBrk="0" fontAlgn="base" hangingPunct="0">
+              <a:spcBef>
+                <a:spcPct val="20000"/>
+              </a:spcBef>
+              <a:spcAft>
+                <a:spcPct val="0"/>
+              </a:spcAft>
+              <a:buClr>
+                <a:srgbClr val="F8BD52"/>
+              </a:buClr>
+              <a:buFont typeface="Wingdings 2" pitchFamily="18" charset="2"/>
+              <a:buChar char=""/>
+              <a:defRPr sz="2600" b="1" kern="1200">
+                <a:solidFill>
+                  <a:schemeClr val="tx1">
+                    <a:lumMod val="20000"/>
+                    <a:lumOff val="80000"/>
+                  </a:schemeClr>
+                </a:solidFill>
+                <a:effectLst>
+                  <a:outerShdw blurRad="38100" dist="38100" dir="2700000" algn="tl">
+                    <a:srgbClr val="000000">
+                      <a:alpha val="43137"/>
+                    </a:srgbClr>
+                  </a:outerShdw>
+                </a:effectLst>
+                <a:latin typeface="+mn-lt"/>
+                <a:ea typeface="+mn-ea"/>
+                <a:cs typeface="+mn-cs"/>
+              </a:defRPr>
+            </a:lvl4pPr>
+            <a:lvl5pPr marL="1425575" indent="-228600" algn="l" rtl="0" eaLnBrk="0" fontAlgn="base" hangingPunct="0">
+              <a:spcBef>
+                <a:spcPct val="20000"/>
+              </a:spcBef>
+              <a:spcAft>
+                <a:spcPct val="0"/>
+              </a:spcAft>
+              <a:buClr>
+                <a:srgbClr val="46A6BD"/>
+              </a:buClr>
+              <a:buFont typeface="Wingdings 2" pitchFamily="18" charset="2"/>
+              <a:buChar char=""/>
+              <a:defRPr sz="2400" b="1" kern="1200">
+                <a:solidFill>
+                  <a:schemeClr val="tx1">
+                    <a:lumMod val="20000"/>
+                    <a:lumOff val="80000"/>
+                  </a:schemeClr>
+                </a:solidFill>
+                <a:effectLst>
+                  <a:outerShdw blurRad="38100" dist="38100" dir="2700000" algn="tl">
+                    <a:srgbClr val="000000">
+                      <a:alpha val="43137"/>
+                    </a:srgbClr>
+                  </a:outerShdw>
+                </a:effectLst>
+                <a:latin typeface="+mn-lt"/>
+                <a:ea typeface="+mn-ea"/>
+                <a:cs typeface="+mn-cs"/>
+              </a:defRPr>
+            </a:lvl5pPr>
+            <a:lvl6pPr marL="1673352" indent="-228600" algn="l" rtl="0" eaLnBrk="1" latinLnBrk="0" hangingPunct="1">
+              <a:spcBef>
+                <a:spcPct val="20000"/>
+              </a:spcBef>
+              <a:buClr>
+                <a:schemeClr val="accent6"/>
+              </a:buClr>
+              <a:buFont typeface="Wingdings 2"/>
+              <a:buChar char=""/>
+              <a:defRPr sz="1800" kern="1200">
+                <a:solidFill>
+                  <a:schemeClr val="tx1"/>
+                </a:solidFill>
+                <a:latin typeface="+mn-lt"/>
+                <a:ea typeface="+mn-ea"/>
+                <a:cs typeface="+mn-cs"/>
+              </a:defRPr>
+            </a:lvl6pPr>
+            <a:lvl7pPr marL="1911096" indent="-228600" algn="l" rtl="0" eaLnBrk="1" latinLnBrk="0" hangingPunct="1">
+              <a:spcBef>
+                <a:spcPct val="20000"/>
+              </a:spcBef>
+              <a:buClr>
+                <a:schemeClr val="tx2"/>
+              </a:buClr>
+              <a:buFont typeface="Wingdings 2"/>
+              <a:buChar char=""/>
+              <a:defRPr sz="1600" kern="1200">
+                <a:solidFill>
+                  <a:schemeClr val="tx1"/>
+                </a:solidFill>
+                <a:latin typeface="+mn-lt"/>
+                <a:ea typeface="+mn-ea"/>
+                <a:cs typeface="+mn-cs"/>
+              </a:defRPr>
+            </a:lvl7pPr>
+            <a:lvl8pPr marL="2121408" indent="-182880" algn="l" rtl="0" eaLnBrk="1" latinLnBrk="0" hangingPunct="1">
+              <a:spcBef>
+                <a:spcPct val="20000"/>
+              </a:spcBef>
+              <a:buClr>
+                <a:schemeClr val="tx2"/>
+              </a:buClr>
+              <a:buFont typeface="Wingdings 2"/>
+              <a:buChar char=""/>
+              <a:defRPr sz="1400" kern="1200">
+                <a:solidFill>
+                  <a:schemeClr val="tx1"/>
+                </a:solidFill>
+                <a:latin typeface="+mn-lt"/>
+                <a:ea typeface="+mn-ea"/>
+                <a:cs typeface="+mn-cs"/>
+              </a:defRPr>
+            </a:lvl8pPr>
+            <a:lvl9pPr marL="2322576" indent="-182880" algn="l" rtl="0" eaLnBrk="1" latinLnBrk="0" hangingPunct="1">
+              <a:spcBef>
+                <a:spcPct val="20000"/>
+              </a:spcBef>
+              <a:buClr>
+                <a:schemeClr val="tx2"/>
+              </a:buClr>
+              <a:buFont typeface="Wingdings 2"/>
+              <a:buChar char=""/>
+              <a:defRPr sz="1400" kern="1200">
+                <a:solidFill>
+                  <a:schemeClr val="tx1"/>
+                </a:solidFill>
+                <a:latin typeface="+mn-lt"/>
+                <a:ea typeface="+mn-ea"/>
+                <a:cs typeface="+mn-cs"/>
+              </a:defRPr>
+            </a:lvl9pPr>
+          </a:lstStyle>
+          <a:p>
+            <a:r>
+              <a:rPr lang="en-US" dirty="0" smtClean="0"/>
+              <a:t>ASP.NET </a:t>
+            </a:r>
+            <a:r>
+              <a:rPr lang="en-US" dirty="0" smtClean="0"/>
+              <a:t>MVC</a:t>
             </a:r>
             <a:endParaRPr lang="en-US" dirty="0"/>
-          </a:p>
-        </p:txBody>
-      </p:sp>
-      <p:sp>
-        <p:nvSpPr>
-          <p:cNvPr id="23" name="Text Placeholder 3"/>
-          <p:cNvSpPr>
-            <a:spLocks noGrp="1"/>
-          </p:cNvSpPr>
-          <p:nvPr>
-            <p:ph type="body" sz="quarter" idx="13"/>
-          </p:nvPr>
-        </p:nvSpPr>
-        <p:spPr>
-          <a:xfrm>
-            <a:off x="431800" y="4914781"/>
-            <a:ext cx="3555998" cy="800219"/>
-          </a:xfrm>
-        </p:spPr>
-        <p:txBody>
-          <a:bodyPr/>
-          <a:lstStyle/>
-          <a:p>
-            <a:pPr marL="0" indent="0"/>
-            <a:r>
-              <a:rPr lang="en-US" dirty="0" smtClean="0"/>
-              <a:t>Team Lead, Senior</a:t>
-            </a:r>
-            <a:br>
-              <a:rPr lang="en-US" dirty="0" smtClean="0"/>
-            </a:br>
-            <a:r>
-              <a:rPr lang="en-US" dirty="0" smtClean="0"/>
-              <a:t>Developer and Trainer</a:t>
-            </a:r>
-            <a:endParaRPr lang="en-US" dirty="0"/>
-          </a:p>
-        </p:txBody>
-      </p:sp>
-      <p:sp>
-        <p:nvSpPr>
-          <p:cNvPr id="24" name="Text Placeholder 5"/>
-          <p:cNvSpPr>
-            <a:spLocks noGrp="1"/>
-          </p:cNvSpPr>
-          <p:nvPr>
-            <p:ph type="body" sz="quarter" idx="14"/>
-          </p:nvPr>
-        </p:nvSpPr>
-        <p:spPr>
-          <a:xfrm>
-            <a:off x="457200" y="5650468"/>
-            <a:ext cx="3810000" cy="369332"/>
-          </a:xfrm>
-        </p:spPr>
-        <p:txBody>
-          <a:bodyPr/>
-          <a:lstStyle/>
-          <a:p>
-            <a:r>
-              <a:rPr lang="en-US" sz="1800" dirty="0" smtClean="0">
-                <a:hlinkClick r:id="rId8"/>
-              </a:rPr>
-              <a:t>http://Nikolay.IT</a:t>
-            </a:r>
-            <a:endParaRPr lang="en-US" sz="1800" dirty="0"/>
           </a:p>
         </p:txBody>
       </p:sp>
@@ -14900,7 +15559,7 @@
         </p:nvSpPr>
         <p:spPr>
           <a:xfrm>
-            <a:off x="228600" y="838200"/>
+            <a:off x="228600" y="762000"/>
             <a:ext cx="8839200" cy="5791200"/>
           </a:xfrm>
         </p:spPr>
@@ -14916,19 +15575,21 @@
           <a:p>
             <a:r>
               <a:rPr lang="en-US" dirty="0" smtClean="0"/>
-              <a:t>ASP.NET 1.0 – 2002 (Web Forms)</a:t>
-            </a:r>
-          </a:p>
-          <a:p>
+              <a:t>ASP.NET 1.0 – 2002 (Web Forms</a:t>
+            </a:r>
             <a:r>
               <a:rPr lang="en-US" dirty="0" smtClean="0"/>
-              <a:t>ASP.NET 2.0 – 2005 (Data management)</a:t>
+              <a:t>)</a:t>
             </a:r>
           </a:p>
           <a:p>
             <a:r>
               <a:rPr lang="en-US" dirty="0" smtClean="0"/>
-              <a:t>ASP.NET 3.5 – 2008 (First version of MVC)</a:t>
+              <a:t> ASP.NET </a:t>
+            </a:r>
+            <a:r>
+              <a:rPr lang="en-US" dirty="0" smtClean="0"/>
+              <a:t>3.5 – 2008 (First version of MVC)</a:t>
             </a:r>
           </a:p>
           <a:p>
@@ -14964,8 +15625,31 @@
           <a:p>
             <a:r>
               <a:rPr lang="en-US" dirty="0" smtClean="0"/>
-              <a:t>Autumn 2013 – VS 2013, One ASP.NET, MVC 5</a:t>
-            </a:r>
+              <a:t>Autumn 2013 – VS 2013, One ASP.NET, MVC </a:t>
+            </a:r>
+            <a:r>
+              <a:rPr lang="en-US" dirty="0" smtClean="0"/>
+              <a:t>5</a:t>
+            </a:r>
+          </a:p>
+          <a:p>
+            <a:r>
+              <a:rPr lang="en-US" dirty="0" smtClean="0"/>
+              <a:t>ASP.NET </a:t>
+            </a:r>
+            <a:r>
+              <a:rPr lang="en-US" dirty="0" err="1" smtClean="0"/>
+              <a:t>vNext</a:t>
+            </a:r>
+            <a:r>
+              <a:rPr lang="en-US" dirty="0" smtClean="0"/>
+              <a:t> – 2014, Roslyn, Platform </a:t>
+            </a:r>
+            <a:r>
+              <a:rPr lang="en-US" dirty="0" err="1" smtClean="0"/>
+              <a:t>ind.</a:t>
+            </a:r>
+            <a:endParaRPr lang="en-US" dirty="0" smtClean="0"/>
           </a:p>
         </p:txBody>
       </p:sp>
@@ -15201,33 +15885,15 @@
                                   </p:childTnLst>
                                 </p:cTn>
                               </p:par>
-                            </p:childTnLst>
-                          </p:cTn>
-                        </p:par>
-                      </p:childTnLst>
-                    </p:cTn>
-                  </p:par>
-                  <p:par>
-                    <p:cTn id="18" fill="hold">
-                      <p:stCondLst>
-                        <p:cond delay="indefinite"/>
-                      </p:stCondLst>
-                      <p:childTnLst>
-                        <p:par>
-                          <p:cTn id="19" fill="hold">
-                            <p:stCondLst>
-                              <p:cond delay="0"/>
-                            </p:stCondLst>
-                            <p:childTnLst>
                               <p:par>
-                                <p:cTn id="20" presetID="10" presetClass="entr" presetSubtype="0" fill="hold" grpId="0" nodeType="clickEffect">
+                                <p:cTn id="18" presetID="10" presetClass="entr" presetSubtype="0" fill="hold" grpId="0" nodeType="withEffect">
                                   <p:stCondLst>
                                     <p:cond delay="0"/>
                                   </p:stCondLst>
                                   <p:childTnLst>
                                     <p:set>
                                       <p:cBhvr>
-                                        <p:cTn id="21" dur="1" fill="hold">
+                                        <p:cTn id="19" dur="1" fill="hold">
                                           <p:stCondLst>
                                             <p:cond delay="0"/>
                                           </p:stCondLst>
@@ -15249,7 +15915,7 @@
                                     </p:set>
                                     <p:animEffect transition="in" filter="fade">
                                       <p:cBhvr>
-                                        <p:cTn id="22" dur="500"/>
+                                        <p:cTn id="20" dur="500"/>
                                         <p:tgtEl>
                                           <p:spTgt spid="3">
                                             <p:txEl>
@@ -15262,8 +15928,26 @@
                                   </p:childTnLst>
                                 </p:cTn>
                               </p:par>
+                            </p:childTnLst>
+                          </p:cTn>
+                        </p:par>
+                      </p:childTnLst>
+                    </p:cTn>
+                  </p:par>
+                  <p:par>
+                    <p:cTn id="21" fill="hold">
+                      <p:stCondLst>
+                        <p:cond delay="indefinite"/>
+                      </p:stCondLst>
+                      <p:childTnLst>
+                        <p:par>
+                          <p:cTn id="22" fill="hold">
+                            <p:stCondLst>
+                              <p:cond delay="0"/>
+                            </p:stCondLst>
+                            <p:childTnLst>
                               <p:par>
-                                <p:cTn id="23" presetID="10" presetClass="entr" presetSubtype="0" fill="hold" grpId="0" nodeType="withEffect">
+                                <p:cTn id="23" presetID="10" presetClass="entr" presetSubtype="0" fill="hold" grpId="0" nodeType="clickEffect">
                                   <p:stCondLst>
                                     <p:cond delay="0"/>
                                   </p:stCondLst>
@@ -16951,16 +17635,19 @@
             </a:pPr>
             <a:r>
               <a:rPr lang="en-US" dirty="0" smtClean="0"/>
-              <a:t>ASP.NET MVC 5.0 – Later this year</a:t>
-            </a:r>
-            <a:r>
-              <a:rPr lang="bg-BG" dirty="0" smtClean="0"/>
-              <a:t> (2013)</a:t>
-            </a:r>
-            <a:endParaRPr lang="en-US" dirty="0" smtClean="0"/>
-          </a:p>
-          <a:p>
-            <a:pPr lvl="1">
+              <a:t>ASP.NET MVC 5.0 – </a:t>
+            </a:r>
+            <a:r>
+              <a:rPr lang="en-US" dirty="0"/>
+              <a:t>17 October </a:t>
+            </a:r>
+            <a:r>
+              <a:rPr lang="en-US" dirty="0" smtClean="0"/>
+              <a:t>2013</a:t>
+            </a:r>
+          </a:p>
+          <a:p>
+            <a:pPr>
               <a:spcBef>
                 <a:spcPts val="300"/>
               </a:spcBef>
@@ -16970,8 +17657,9 @@
             </a:pPr>
             <a:r>
               <a:rPr lang="en-US" dirty="0" smtClean="0"/>
-              <a:t>Release Candidate is currently available</a:t>
-            </a:r>
+              <a:t>ASP.NET MVC 6.0 – soon enough</a:t>
+            </a:r>
+            <a:endParaRPr lang="en-US" dirty="0"/>
           </a:p>
           <a:p>
             <a:pPr>
@@ -17506,15 +18194,33 @@
                                   </p:childTnLst>
                                 </p:cTn>
                               </p:par>
+                            </p:childTnLst>
+                          </p:cTn>
+                        </p:par>
+                      </p:childTnLst>
+                    </p:cTn>
+                  </p:par>
+                  <p:par>
+                    <p:cTn id="37" fill="hold">
+                      <p:stCondLst>
+                        <p:cond delay="indefinite"/>
+                      </p:stCondLst>
+                      <p:childTnLst>
+                        <p:par>
+                          <p:cTn id="38" fill="hold">
+                            <p:stCondLst>
+                              <p:cond delay="0"/>
+                            </p:stCondLst>
+                            <p:childTnLst>
                               <p:par>
-                                <p:cTn id="37" presetID="10" presetClass="entr" presetSubtype="0" fill="hold" grpId="0" nodeType="withEffect">
+                                <p:cTn id="39" presetID="10" presetClass="entr" presetSubtype="0" fill="hold" grpId="0" nodeType="clickEffect">
                                   <p:stCondLst>
                                     <p:cond delay="0"/>
                                   </p:stCondLst>
                                   <p:childTnLst>
                                     <p:set>
                                       <p:cBhvr>
-                                        <p:cTn id="38" dur="1" fill="hold">
+                                        <p:cTn id="40" dur="1" fill="hold">
                                           <p:stCondLst>
                                             <p:cond delay="0"/>
                                           </p:stCondLst>
@@ -17536,7 +18242,7 @@
                                     </p:set>
                                     <p:animEffect transition="in" filter="fade">
                                       <p:cBhvr>
-                                        <p:cTn id="39" dur="500"/>
+                                        <p:cTn id="41" dur="500"/>
                                         <p:tgtEl>
                                           <p:spTgt spid="3">
                                             <p:txEl>
@@ -21570,21 +22276,11 @@
             </a:pPr>
             <a:r>
               <a:rPr lang="en-US" dirty="0" smtClean="0"/>
-              <a:t>IDE: Visual Studio 2013 (2012 is also OK)</a:t>
-            </a:r>
-          </a:p>
-          <a:p>
-            <a:pPr lvl="2">
-              <a:spcBef>
-                <a:spcPts val="300"/>
-              </a:spcBef>
-              <a:spcAft>
-                <a:spcPts val="300"/>
-              </a:spcAft>
-            </a:pPr>
+              <a:t>IDE: Visual Studio 2013 (2012 is also OK</a:t>
+            </a:r>
             <a:r>
               <a:rPr lang="en-US" dirty="0" smtClean="0"/>
-              <a:t>Visual Studio RC version is preferable</a:t>
+              <a:t>)</a:t>
             </a:r>
           </a:p>
           <a:p>
@@ -21598,7 +22294,11 @@
             </a:pPr>
             <a:r>
               <a:rPr lang="en-US" dirty="0" smtClean="0"/>
-              <a:t>Framework: .NET Framework 4.5</a:t>
+              <a:t>Framework</a:t>
+            </a:r>
+            <a:r>
+              <a:rPr lang="en-US" dirty="0" smtClean="0"/>
+              <a:t>: .NET Framework 4.5</a:t>
             </a:r>
           </a:p>
           <a:p>
@@ -21612,7 +22312,15 @@
             </a:pPr>
             <a:r>
               <a:rPr lang="en-US" dirty="0" smtClean="0"/>
-              <a:t>Web server: IIS 8 (Express)</a:t>
+              <a:t>Web server: IIS </a:t>
+            </a:r>
+            <a:r>
+              <a:rPr lang="en-US" dirty="0" smtClean="0"/>
+              <a:t>8.5 </a:t>
+            </a:r>
+            <a:r>
+              <a:rPr lang="en-US" dirty="0" smtClean="0"/>
+              <a:t>(Express)</a:t>
             </a:r>
           </a:p>
           <a:p>
@@ -21837,11 +22545,11 @@
             <a:pPr lvl="1"/>
             <a:r>
               <a:rPr lang="en-US" dirty="0" smtClean="0"/>
-              <a:t>JavaScript (</a:t>
+              <a:t>JavaScript (jQuery, </a:t>
             </a:r>
             <a:r>
               <a:rPr lang="en-US" dirty="0" err="1" smtClean="0"/>
-              <a:t>jQuery</a:t>
+              <a:t>KendoUI</a:t>
             </a:r>
             <a:r>
               <a:rPr lang="en-US" dirty="0" smtClean="0"/>
@@ -21849,11 +22557,19 @@
             </a:r>
             <a:r>
               <a:rPr lang="en-US" dirty="0" err="1" smtClean="0"/>
-              <a:t>KendoUI</a:t>
+              <a:t>AngularJS</a:t>
             </a:r>
             <a:r>
               <a:rPr lang="en-US" dirty="0" smtClean="0"/>
-              <a:t>, etc.)</a:t>
+              <a:t>, </a:t>
+            </a:r>
+            <a:r>
+              <a:rPr lang="en-US" dirty="0" smtClean="0"/>
+              <a:t>etc</a:t>
+            </a:r>
+            <a:r>
+              <a:rPr lang="en-US" dirty="0" smtClean="0"/>
+              <a:t>.)</a:t>
             </a:r>
           </a:p>
           <a:p>
@@ -26551,7 +27267,11 @@
             <a:pPr lvl="1"/>
             <a:r>
               <a:rPr lang="en-US" dirty="0" smtClean="0"/>
-              <a:t>Supported ASP.NET </a:t>
+              <a:t>Supports </a:t>
+            </a:r>
+            <a:r>
+              <a:rPr lang="en-US" dirty="0" smtClean="0"/>
+              <a:t>ASP.NET </a:t>
             </a:r>
             <a:r>
               <a:rPr lang="en-US" dirty="0"/>
@@ -26714,9 +27434,10 @@
           <a:p>
             <a:pPr lvl="1"/>
             <a:r>
-              <a:rPr lang="en-US" dirty="0" smtClean="0"/>
-              <a:t>Glimpse.Mvc4</a:t>
-            </a:r>
+              <a:rPr lang="en-US" smtClean="0"/>
+              <a:t>Glimpse.Mvc5</a:t>
+            </a:r>
+            <a:endParaRPr lang="en-US" dirty="0" smtClean="0"/>
           </a:p>
           <a:p>
             <a:pPr lvl="1"/>
